--- a/Gestion de Condominios.pptx
+++ b/Gestion de Condominios.pptx
@@ -3734,7 +3734,6 @@
               <a:rPr lang="es-PE" sz="4800" dirty="0"/>
               <a:t>de Condominios</a:t>
             </a:r>
-            <a:endParaRPr lang="es-PE" sz="4800" dirty="0"/>
           </a:p>
         </p:txBody>
       </p:sp>
@@ -3978,13 +3977,8 @@
             <a:pPr algn="ctr"/>
             <a:r>
               <a:rPr lang="es-PE" sz="5400" b="1" dirty="0"/>
-              <a:t>HU05 - Consultar </a:t>
-            </a:r>
-            <a:r>
-              <a:rPr lang="es-PE" sz="5400" b="1" dirty="0"/>
-              <a:t>Cuotas</a:t>
-            </a:r>
-            <a:endParaRPr lang="es-PE" sz="5400" b="1" dirty="0"/>
+              <a:t>HU05 - Consultar Cuotas</a:t>
+            </a:r>
           </a:p>
         </p:txBody>
       </p:sp>
@@ -4177,7 +4171,6 @@
               <a:rPr lang="es-ES" sz="2400" dirty="0"/>
               <a:t>interactúen con otras, aun sabiendo quien pueda consumirlas.</a:t>
             </a:r>
-            <a:endParaRPr lang="es-ES" sz="2400" dirty="0"/>
           </a:p>
           <a:p>
             <a:pPr marL="0" indent="0" algn="just">
@@ -4464,11 +4457,7 @@
           <a:p>
             <a:r>
               <a:rPr lang="es-PE" sz="5400" b="1" dirty="0"/>
-              <a:t>Objetivo del </a:t>
-            </a:r>
-            <a:r>
-              <a:rPr lang="es-PE" sz="5400" b="1" dirty="0"/>
-              <a:t>P</a:t>
+              <a:t>Objetivo del P</a:t>
             </a:r>
             <a:r>
               <a:rPr lang="es-PE" sz="5400" b="1" dirty="0" smtClean="0"/>
@@ -5001,14 +4990,16 @@
       </p:sp>
       <p:pic>
         <p:nvPicPr>
-          <p:cNvPr id="1026" name="Picture 2" descr="https://lh3.googleusercontent.com/zMOj-cJ_yMpPiUpg5_GOfsz5og6KMqQts44_WNQVXNEClg5xN6iaP7AFUOtvLuO4OOxun6S58z2f66QS-riEz566Kk8xK_ACWorzMphntlGYv6--FuJuZwOCqSfHuO8M6OJID7gG"/>
+          <p:cNvPr id="1026" name="Picture 2" descr="https://lh3.googleusercontent.com/zMOj-cJ_yMpPiUpg5_GOfsz5og6KMqQts44_WNQVXNEClg5xN6iaP7AFUOtvLuO4OOxun6S58z2f66QS-riEz566Kk8xK_ACWorzMphntlGYv6--FuJuZwOCqSfHuO8M6OJID7gG">
+            <a:hlinkClick r:id="rId3" action="ppaction://hlinkfile"/>
+          </p:cNvPr>
           <p:cNvPicPr>
             <a:picLocks noChangeAspect="1" noChangeArrowheads="1"/>
           </p:cNvPicPr>
           <p:nvPr/>
         </p:nvPicPr>
         <p:blipFill>
-          <a:blip r:embed="rId3">
+          <a:blip r:embed="rId4">
             <a:extLst>
               <a:ext uri="{28A0092B-C50C-407E-A947-70E740481C1C}">
                 <a14:useLocalDpi xmlns:a14="http://schemas.microsoft.com/office/drawing/2010/main" val="0"/>
@@ -5022,7 +5013,7 @@
         </p:blipFill>
         <p:spPr bwMode="auto">
           <a:xfrm>
-            <a:off x="285720" y="1484784"/>
+            <a:off x="251520" y="1670521"/>
             <a:ext cx="8606760" cy="5184576"/>
           </a:xfrm>
           <a:prstGeom prst="rect">
@@ -5262,7 +5253,6 @@
               <a:rPr lang="es-PE" sz="5400" b="1" dirty="0"/>
               <a:t>HU02 - Registrar Residentes</a:t>
             </a:r>
-            <a:endParaRPr lang="es-PE" sz="5400" b="1" dirty="0"/>
           </a:p>
         </p:txBody>
       </p:sp>
@@ -5414,7 +5404,6 @@
               <a:rPr lang="es-PE" sz="5400" b="1" dirty="0"/>
               <a:t>HU03 – Generar Contrato de Alquiler</a:t>
             </a:r>
-            <a:endParaRPr lang="es-PE" sz="5400" b="1" dirty="0"/>
           </a:p>
         </p:txBody>
       </p:sp>
@@ -5559,13 +5548,8 @@
             <a:pPr algn="ctr"/>
             <a:r>
               <a:rPr lang="es-PE" sz="5400" b="1" dirty="0"/>
-              <a:t>HU04 - Pago </a:t>
-            </a:r>
-            <a:r>
-              <a:rPr lang="es-PE" sz="5400" b="1" dirty="0"/>
-              <a:t>de Cuotas</a:t>
-            </a:r>
-            <a:endParaRPr lang="es-PE" sz="5400" b="1" dirty="0"/>
+              <a:t>HU04 - Pago de Cuotas</a:t>
+            </a:r>
           </a:p>
         </p:txBody>
       </p:sp>

--- a/Gestion de Condominios.pptx
+++ b/Gestion de Condominios.pptx
@@ -3734,6 +3734,7 @@
               <a:rPr lang="es-PE" sz="4800" dirty="0"/>
               <a:t>de Condominios</a:t>
             </a:r>
+            <a:endParaRPr lang="es-PE" sz="4800" dirty="0"/>
           </a:p>
         </p:txBody>
       </p:sp>
@@ -3977,8 +3978,13 @@
             <a:pPr algn="ctr"/>
             <a:r>
               <a:rPr lang="es-PE" sz="5400" b="1" dirty="0"/>
-              <a:t>HU05 - Consultar Cuotas</a:t>
-            </a:r>
+              <a:t>HU05 - Consultar </a:t>
+            </a:r>
+            <a:r>
+              <a:rPr lang="es-PE" sz="5400" b="1" dirty="0"/>
+              <a:t>Cuotas</a:t>
+            </a:r>
+            <a:endParaRPr lang="es-PE" sz="5400" b="1" dirty="0"/>
           </a:p>
         </p:txBody>
       </p:sp>
@@ -4171,6 +4177,7 @@
               <a:rPr lang="es-ES" sz="2400" dirty="0"/>
               <a:t>interactúen con otras, aun sabiendo quien pueda consumirlas.</a:t>
             </a:r>
+            <a:endParaRPr lang="es-ES" sz="2400" dirty="0"/>
           </a:p>
           <a:p>
             <a:pPr marL="0" indent="0" algn="just">
@@ -4457,7 +4464,11 @@
           <a:p>
             <a:r>
               <a:rPr lang="es-PE" sz="5400" b="1" dirty="0"/>
-              <a:t>Objetivo del P</a:t>
+              <a:t>Objetivo del </a:t>
+            </a:r>
+            <a:r>
+              <a:rPr lang="es-PE" sz="5400" b="1" dirty="0"/>
+              <a:t>P</a:t>
             </a:r>
             <a:r>
               <a:rPr lang="es-PE" sz="5400" b="1" dirty="0" smtClean="0"/>
@@ -4990,16 +5001,14 @@
       </p:sp>
       <p:pic>
         <p:nvPicPr>
-          <p:cNvPr id="1026" name="Picture 2" descr="https://lh3.googleusercontent.com/zMOj-cJ_yMpPiUpg5_GOfsz5og6KMqQts44_WNQVXNEClg5xN6iaP7AFUOtvLuO4OOxun6S58z2f66QS-riEz566Kk8xK_ACWorzMphntlGYv6--FuJuZwOCqSfHuO8M6OJID7gG">
-            <a:hlinkClick r:id="rId3" action="ppaction://hlinkfile"/>
-          </p:cNvPr>
+          <p:cNvPr id="1026" name="Picture 2" descr="https://lh3.googleusercontent.com/zMOj-cJ_yMpPiUpg5_GOfsz5og6KMqQts44_WNQVXNEClg5xN6iaP7AFUOtvLuO4OOxun6S58z2f66QS-riEz566Kk8xK_ACWorzMphntlGYv6--FuJuZwOCqSfHuO8M6OJID7gG"/>
           <p:cNvPicPr>
             <a:picLocks noChangeAspect="1" noChangeArrowheads="1"/>
           </p:cNvPicPr>
           <p:nvPr/>
         </p:nvPicPr>
         <p:blipFill>
-          <a:blip r:embed="rId4">
+          <a:blip r:embed="rId3">
             <a:extLst>
               <a:ext uri="{28A0092B-C50C-407E-A947-70E740481C1C}">
                 <a14:useLocalDpi xmlns:a14="http://schemas.microsoft.com/office/drawing/2010/main" val="0"/>
@@ -5013,7 +5022,7 @@
         </p:blipFill>
         <p:spPr bwMode="auto">
           <a:xfrm>
-            <a:off x="251520" y="1670521"/>
+            <a:off x="285720" y="1484784"/>
             <a:ext cx="8606760" cy="5184576"/>
           </a:xfrm>
           <a:prstGeom prst="rect">
@@ -5253,6 +5262,7 @@
               <a:rPr lang="es-PE" sz="5400" b="1" dirty="0"/>
               <a:t>HU02 - Registrar Residentes</a:t>
             </a:r>
+            <a:endParaRPr lang="es-PE" sz="5400" b="1" dirty="0"/>
           </a:p>
         </p:txBody>
       </p:sp>
@@ -5404,6 +5414,7 @@
               <a:rPr lang="es-PE" sz="5400" b="1" dirty="0"/>
               <a:t>HU03 – Generar Contrato de Alquiler</a:t>
             </a:r>
+            <a:endParaRPr lang="es-PE" sz="5400" b="1" dirty="0"/>
           </a:p>
         </p:txBody>
       </p:sp>
@@ -5548,8 +5559,13 @@
             <a:pPr algn="ctr"/>
             <a:r>
               <a:rPr lang="es-PE" sz="5400" b="1" dirty="0"/>
-              <a:t>HU04 - Pago de Cuotas</a:t>
-            </a:r>
+              <a:t>HU04 - Pago </a:t>
+            </a:r>
+            <a:r>
+              <a:rPr lang="es-PE" sz="5400" b="1" dirty="0"/>
+              <a:t>de Cuotas</a:t>
+            </a:r>
+            <a:endParaRPr lang="es-PE" sz="5400" b="1" dirty="0"/>
           </a:p>
         </p:txBody>
       </p:sp>
